--- a/docs/pitchdeck.pptx
+++ b/docs/pitchdeck.pptx
@@ -5,14 +5,16 @@
     <p:sldMasterId id="2147483661" r:id="rId1"/>
   </p:sldMasterIdLst>
   <p:notesMasterIdLst>
-    <p:notesMasterId r:id="rId7"/>
+    <p:notesMasterId r:id="rId9"/>
   </p:notesMasterIdLst>
   <p:sldIdLst>
     <p:sldId id="548" r:id="rId2"/>
-    <p:sldId id="558" r:id="rId3"/>
+    <p:sldId id="559" r:id="rId3"/>
     <p:sldId id="557" r:id="rId4"/>
-    <p:sldId id="555" r:id="rId5"/>
-    <p:sldId id="556" r:id="rId6"/>
+    <p:sldId id="560" r:id="rId5"/>
+    <p:sldId id="555" r:id="rId6"/>
+    <p:sldId id="556" r:id="rId7"/>
+    <p:sldId id="561" r:id="rId8"/>
   </p:sldIdLst>
   <p:sldSz cx="12192000" cy="6858000"/>
   <p:notesSz cx="6858000" cy="9144000"/>
@@ -780,7 +782,7 @@
     </p:spTree>
     <p:extLst>
       <p:ext uri="{BB962C8B-B14F-4D97-AF65-F5344CB8AC3E}">
-        <p14:creationId xmlns:p14="http://schemas.microsoft.com/office/powerpoint/2010/main" val="3680098410"/>
+        <p14:creationId xmlns:p14="http://schemas.microsoft.com/office/powerpoint/2010/main" val="3889875567"/>
       </p:ext>
     </p:extLst>
   </p:cSld>
@@ -1102,7 +1104,7 @@
     </p:spTree>
     <p:extLst>
       <p:ext uri="{BB962C8B-B14F-4D97-AF65-F5344CB8AC3E}">
-        <p14:creationId xmlns:p14="http://schemas.microsoft.com/office/powerpoint/2010/main" val="3428700903"/>
+        <p14:creationId xmlns:p14="http://schemas.microsoft.com/office/powerpoint/2010/main" val="4252597837"/>
       </p:ext>
     </p:extLst>
   </p:cSld>
@@ -1263,7 +1265,329 @@
     </p:spTree>
     <p:extLst>
       <p:ext uri="{BB962C8B-B14F-4D97-AF65-F5344CB8AC3E}">
+        <p14:creationId xmlns:p14="http://schemas.microsoft.com/office/powerpoint/2010/main" val="3428700903"/>
+      </p:ext>
+    </p:extLst>
+  </p:cSld>
+  <p:clrMapOvr>
+    <a:masterClrMapping/>
+  </p:clrMapOvr>
+</p:notes>
+</file>
+
+<file path=ppt/notesSlides/notesSlide6.xml><?xml version="1.0" encoding="utf-8"?>
+<p:notes xmlns:a="http://schemas.openxmlformats.org/drawingml/2006/main" xmlns:r="http://schemas.openxmlformats.org/officeDocument/2006/relationships" xmlns:p="http://schemas.openxmlformats.org/presentationml/2006/main">
+  <p:cSld>
+    <p:spTree>
+      <p:nvGrpSpPr>
+        <p:cNvPr id="1" name=""/>
+        <p:cNvGrpSpPr/>
+        <p:nvPr/>
+      </p:nvGrpSpPr>
+      <p:grpSpPr>
+        <a:xfrm>
+          <a:off x="0" y="0"/>
+          <a:ext cx="0" cy="0"/>
+          <a:chOff x="0" y="0"/>
+          <a:chExt cx="0" cy="0"/>
+        </a:xfrm>
+      </p:grpSpPr>
+      <p:sp>
+        <p:nvSpPr>
+          <p:cNvPr id="2" name="Folienbildplatzhalter 1"/>
+          <p:cNvSpPr>
+            <a:spLocks noGrp="1" noRot="1" noChangeAspect="1"/>
+          </p:cNvSpPr>
+          <p:nvPr>
+            <p:ph type="sldImg"/>
+          </p:nvPr>
+        </p:nvSpPr>
+        <p:spPr/>
+      </p:sp>
+      <p:sp>
+        <p:nvSpPr>
+          <p:cNvPr id="3" name="Notizenplatzhalter 2"/>
+          <p:cNvSpPr>
+            <a:spLocks noGrp="1"/>
+          </p:cNvSpPr>
+          <p:nvPr>
+            <p:ph type="body" idx="1"/>
+          </p:nvPr>
+        </p:nvSpPr>
+        <p:spPr/>
+        <p:txBody>
+          <a:bodyPr/>
+          <a:lstStyle/>
+          <a:p>
+            <a:pPr marL="0" marR="0" lvl="0" indent="0" algn="l" defTabSz="914400" rtl="0" eaLnBrk="1" fontAlgn="auto" latinLnBrk="0" hangingPunct="1">
+              <a:lnSpc>
+                <a:spcPct val="100000"/>
+              </a:lnSpc>
+              <a:spcBef>
+                <a:spcPts val="0"/>
+              </a:spcBef>
+              <a:spcAft>
+                <a:spcPts val="0"/>
+              </a:spcAft>
+              <a:buClrTx/>
+              <a:buSzTx/>
+              <a:buFont typeface="Arial" panose="020B0604020202020204" pitchFamily="34" charset="0"/>
+              <a:buNone/>
+              <a:tabLst/>
+              <a:defRPr/>
+            </a:pPr>
+            <a:endParaRPr lang="de-DE" dirty="0"/>
+          </a:p>
+        </p:txBody>
+      </p:sp>
+      <p:sp>
+        <p:nvSpPr>
+          <p:cNvPr id="4" name="Foliennummernplatzhalter 3"/>
+          <p:cNvSpPr>
+            <a:spLocks noGrp="1"/>
+          </p:cNvSpPr>
+          <p:nvPr>
+            <p:ph type="sldNum" sz="quarter" idx="5"/>
+          </p:nvPr>
+        </p:nvSpPr>
+        <p:spPr/>
+        <p:txBody>
+          <a:bodyPr/>
+          <a:lstStyle/>
+          <a:p>
+            <a:pPr marL="0" marR="0" lvl="0" indent="0" algn="r" defTabSz="914400" rtl="0" eaLnBrk="1" fontAlgn="auto" latinLnBrk="0" hangingPunct="1">
+              <a:lnSpc>
+                <a:spcPct val="100000"/>
+              </a:lnSpc>
+              <a:spcBef>
+                <a:spcPts val="0"/>
+              </a:spcBef>
+              <a:spcAft>
+                <a:spcPts val="0"/>
+              </a:spcAft>
+              <a:buClrTx/>
+              <a:buSzTx/>
+              <a:buFontTx/>
+              <a:buNone/>
+              <a:tabLst/>
+              <a:defRPr/>
+            </a:pPr>
+            <a:fld id="{01BB0138-77EE-466A-BAEB-47D907700EE9}" type="slidenum">
+              <a:rPr kumimoji="0" lang="fr-FR" sz="1200" b="0" i="0" u="none" strike="noStrike" kern="1200" cap="none" spc="0" normalizeH="0" baseline="0" noProof="0" smtClean="0">
+                <a:ln>
+                  <a:noFill/>
+                </a:ln>
+                <a:solidFill>
+                  <a:prstClr val="black"/>
+                </a:solidFill>
+                <a:effectLst/>
+                <a:uLnTx/>
+                <a:uFillTx/>
+                <a:latin typeface="Segoe UI Light" panose="020B0502040204020203" pitchFamily="34" charset="0"/>
+                <a:ea typeface="+mn-ea"/>
+                <a:cs typeface="+mn-cs"/>
+              </a:rPr>
+              <a:pPr marL="0" marR="0" lvl="0" indent="0" algn="r" defTabSz="914400" rtl="0" eaLnBrk="1" fontAlgn="auto" latinLnBrk="0" hangingPunct="1">
+                <a:lnSpc>
+                  <a:spcPct val="100000"/>
+                </a:lnSpc>
+                <a:spcBef>
+                  <a:spcPts val="0"/>
+                </a:spcBef>
+                <a:spcAft>
+                  <a:spcPts val="0"/>
+                </a:spcAft>
+                <a:buClrTx/>
+                <a:buSzTx/>
+                <a:buFontTx/>
+                <a:buNone/>
+                <a:tabLst/>
+                <a:defRPr/>
+              </a:pPr>
+              <a:t>6</a:t>
+            </a:fld>
+            <a:endParaRPr kumimoji="0" lang="fr-FR" sz="1200" b="0" i="0" u="none" strike="noStrike" kern="1200" cap="none" spc="0" normalizeH="0" baseline="0" noProof="0" dirty="0">
+              <a:ln>
+                <a:noFill/>
+              </a:ln>
+              <a:solidFill>
+                <a:prstClr val="black"/>
+              </a:solidFill>
+              <a:effectLst/>
+              <a:uLnTx/>
+              <a:uFillTx/>
+              <a:latin typeface="Segoe UI Light" panose="020B0502040204020203" pitchFamily="34" charset="0"/>
+              <a:ea typeface="+mn-ea"/>
+              <a:cs typeface="+mn-cs"/>
+            </a:endParaRPr>
+          </a:p>
+        </p:txBody>
+      </p:sp>
+    </p:spTree>
+    <p:extLst>
+      <p:ext uri="{BB962C8B-B14F-4D97-AF65-F5344CB8AC3E}">
         <p14:creationId xmlns:p14="http://schemas.microsoft.com/office/powerpoint/2010/main" val="2090670215"/>
+      </p:ext>
+    </p:extLst>
+  </p:cSld>
+  <p:clrMapOvr>
+    <a:masterClrMapping/>
+  </p:clrMapOvr>
+</p:notes>
+</file>
+
+<file path=ppt/notesSlides/notesSlide7.xml><?xml version="1.0" encoding="utf-8"?>
+<p:notes xmlns:a="http://schemas.openxmlformats.org/drawingml/2006/main" xmlns:r="http://schemas.openxmlformats.org/officeDocument/2006/relationships" xmlns:p="http://schemas.openxmlformats.org/presentationml/2006/main">
+  <p:cSld>
+    <p:spTree>
+      <p:nvGrpSpPr>
+        <p:cNvPr id="1" name=""/>
+        <p:cNvGrpSpPr/>
+        <p:nvPr/>
+      </p:nvGrpSpPr>
+      <p:grpSpPr>
+        <a:xfrm>
+          <a:off x="0" y="0"/>
+          <a:ext cx="0" cy="0"/>
+          <a:chOff x="0" y="0"/>
+          <a:chExt cx="0" cy="0"/>
+        </a:xfrm>
+      </p:grpSpPr>
+      <p:sp>
+        <p:nvSpPr>
+          <p:cNvPr id="2" name="Folienbildplatzhalter 1"/>
+          <p:cNvSpPr>
+            <a:spLocks noGrp="1" noRot="1" noChangeAspect="1"/>
+          </p:cNvSpPr>
+          <p:nvPr>
+            <p:ph type="sldImg"/>
+          </p:nvPr>
+        </p:nvSpPr>
+        <p:spPr/>
+      </p:sp>
+      <p:sp>
+        <p:nvSpPr>
+          <p:cNvPr id="3" name="Notizenplatzhalter 2"/>
+          <p:cNvSpPr>
+            <a:spLocks noGrp="1"/>
+          </p:cNvSpPr>
+          <p:nvPr>
+            <p:ph type="body" idx="1"/>
+          </p:nvPr>
+        </p:nvSpPr>
+        <p:spPr/>
+        <p:txBody>
+          <a:bodyPr/>
+          <a:lstStyle/>
+          <a:p>
+            <a:pPr marL="0" marR="0" lvl="0" indent="0" algn="l" defTabSz="914400" rtl="0" eaLnBrk="1" fontAlgn="auto" latinLnBrk="0" hangingPunct="1">
+              <a:lnSpc>
+                <a:spcPct val="100000"/>
+              </a:lnSpc>
+              <a:spcBef>
+                <a:spcPts val="0"/>
+              </a:spcBef>
+              <a:spcAft>
+                <a:spcPts val="0"/>
+              </a:spcAft>
+              <a:buClrTx/>
+              <a:buSzTx/>
+              <a:buFont typeface="Arial" panose="020B0604020202020204" pitchFamily="34" charset="0"/>
+              <a:buNone/>
+              <a:tabLst/>
+              <a:defRPr/>
+            </a:pPr>
+            <a:endParaRPr lang="de-DE" dirty="0"/>
+          </a:p>
+        </p:txBody>
+      </p:sp>
+      <p:sp>
+        <p:nvSpPr>
+          <p:cNvPr id="4" name="Foliennummernplatzhalter 3"/>
+          <p:cNvSpPr>
+            <a:spLocks noGrp="1"/>
+          </p:cNvSpPr>
+          <p:nvPr>
+            <p:ph type="sldNum" sz="quarter" idx="5"/>
+          </p:nvPr>
+        </p:nvSpPr>
+        <p:spPr/>
+        <p:txBody>
+          <a:bodyPr/>
+          <a:lstStyle/>
+          <a:p>
+            <a:pPr marL="0" marR="0" lvl="0" indent="0" algn="r" defTabSz="914400" rtl="0" eaLnBrk="1" fontAlgn="auto" latinLnBrk="0" hangingPunct="1">
+              <a:lnSpc>
+                <a:spcPct val="100000"/>
+              </a:lnSpc>
+              <a:spcBef>
+                <a:spcPts val="0"/>
+              </a:spcBef>
+              <a:spcAft>
+                <a:spcPts val="0"/>
+              </a:spcAft>
+              <a:buClrTx/>
+              <a:buSzTx/>
+              <a:buFontTx/>
+              <a:buNone/>
+              <a:tabLst/>
+              <a:defRPr/>
+            </a:pPr>
+            <a:fld id="{01BB0138-77EE-466A-BAEB-47D907700EE9}" type="slidenum">
+              <a:rPr kumimoji="0" lang="fr-FR" sz="1200" b="0" i="0" u="none" strike="noStrike" kern="1200" cap="none" spc="0" normalizeH="0" baseline="0" noProof="0" smtClean="0">
+                <a:ln>
+                  <a:noFill/>
+                </a:ln>
+                <a:solidFill>
+                  <a:prstClr val="black"/>
+                </a:solidFill>
+                <a:effectLst/>
+                <a:uLnTx/>
+                <a:uFillTx/>
+                <a:latin typeface="Segoe UI Light" panose="020B0502040204020203" pitchFamily="34" charset="0"/>
+                <a:ea typeface="+mn-ea"/>
+                <a:cs typeface="+mn-cs"/>
+              </a:rPr>
+              <a:pPr marL="0" marR="0" lvl="0" indent="0" algn="r" defTabSz="914400" rtl="0" eaLnBrk="1" fontAlgn="auto" latinLnBrk="0" hangingPunct="1">
+                <a:lnSpc>
+                  <a:spcPct val="100000"/>
+                </a:lnSpc>
+                <a:spcBef>
+                  <a:spcPts val="0"/>
+                </a:spcBef>
+                <a:spcAft>
+                  <a:spcPts val="0"/>
+                </a:spcAft>
+                <a:buClrTx/>
+                <a:buSzTx/>
+                <a:buFontTx/>
+                <a:buNone/>
+                <a:tabLst/>
+                <a:defRPr/>
+              </a:pPr>
+              <a:t>7</a:t>
+            </a:fld>
+            <a:endParaRPr kumimoji="0" lang="fr-FR" sz="1200" b="0" i="0" u="none" strike="noStrike" kern="1200" cap="none" spc="0" normalizeH="0" baseline="0" noProof="0" dirty="0">
+              <a:ln>
+                <a:noFill/>
+              </a:ln>
+              <a:solidFill>
+                <a:prstClr val="black"/>
+              </a:solidFill>
+              <a:effectLst/>
+              <a:uLnTx/>
+              <a:uFillTx/>
+              <a:latin typeface="Segoe UI Light" panose="020B0502040204020203" pitchFamily="34" charset="0"/>
+              <a:ea typeface="+mn-ea"/>
+              <a:cs typeface="+mn-cs"/>
+            </a:endParaRPr>
+          </a:p>
+        </p:txBody>
+      </p:sp>
+    </p:spTree>
+    <p:extLst>
+      <p:ext uri="{BB962C8B-B14F-4D97-AF65-F5344CB8AC3E}">
+        <p14:creationId xmlns:p14="http://schemas.microsoft.com/office/powerpoint/2010/main" val="1809602389"/>
       </p:ext>
     </p:extLst>
   </p:cSld>
@@ -22984,7 +23308,7 @@
                 <a:ea typeface="+mn-ea"/>
                 <a:cs typeface="Segoe UI Semibold" panose="020B0702040204020203" pitchFamily="34" charset="0"/>
               </a:rPr>
-              <a:t>: Thomas, Fabio, Stefan, Tim, Michael, Sören, Felix, Peter, Thorsten, Volker, Melf</a:t>
+              <a:t>: Fabio, Felix, Melf , Michael, Sören, Stefan, Peter, Tim, Thomas, Thorsten, Volker</a:t>
             </a:r>
           </a:p>
         </p:txBody>
@@ -23101,10 +23425,10 @@
       </p:pic>
       <p:graphicFrame>
         <p:nvGraphicFramePr>
-          <p:cNvPr id="7" name="Tabelle 6">
+          <p:cNvPr id="6" name="Tabelle 5">
             <a:extLst>
               <a:ext uri="{FF2B5EF4-FFF2-40B4-BE49-F238E27FC236}">
-                <a16:creationId xmlns:a16="http://schemas.microsoft.com/office/drawing/2014/main" id="{32622224-5748-68C9-E6EA-4D32BBD7B109}"/>
+                <a16:creationId xmlns:a16="http://schemas.microsoft.com/office/drawing/2014/main" id="{BA44C89D-DC8A-2C47-8D12-C17CE26AB7CB}"/>
               </a:ext>
             </a:extLst>
           </p:cNvPr>
@@ -23114,14 +23438,14 @@
           <p:nvPr>
             <p:extLst>
               <p:ext uri="{D42A27DB-BD31-4B8C-83A1-F6EECF244321}">
-                <p14:modId xmlns:p14="http://schemas.microsoft.com/office/powerpoint/2010/main" val="412148391"/>
+                <p14:modId xmlns:p14="http://schemas.microsoft.com/office/powerpoint/2010/main" val="3737886605"/>
               </p:ext>
             </p:extLst>
           </p:nvPr>
         </p:nvGraphicFramePr>
         <p:xfrm>
-          <a:off x="314960" y="2172018"/>
-          <a:ext cx="11562080" cy="2513964"/>
+          <a:off x="0" y="1061118"/>
+          <a:ext cx="4295328" cy="2193924"/>
         </p:xfrm>
         <a:graphic>
           <a:graphicData uri="http://schemas.openxmlformats.org/drawingml/2006/table">
@@ -23134,20 +23458,6 @@
                   <a:extLst>
                     <a:ext uri="{9D8B030D-6E8A-4147-A177-3AD203B41FA5}">
                       <a16:colId xmlns:a16="http://schemas.microsoft.com/office/drawing/2014/main" val="1275681580"/>
-                    </a:ext>
-                  </a:extLst>
-                </a:gridCol>
-                <a:gridCol w="3285239">
-                  <a:extLst>
-                    <a:ext uri="{9D8B030D-6E8A-4147-A177-3AD203B41FA5}">
-                      <a16:colId xmlns:a16="http://schemas.microsoft.com/office/drawing/2014/main" val="4286404624"/>
-                    </a:ext>
-                  </a:extLst>
-                </a:gridCol>
-                <a:gridCol w="3981513">
-                  <a:extLst>
-                    <a:ext uri="{9D8B030D-6E8A-4147-A177-3AD203B41FA5}">
-                      <a16:colId xmlns:a16="http://schemas.microsoft.com/office/drawing/2014/main" val="4075687889"/>
                     </a:ext>
                   </a:extLst>
                 </a:gridCol>
@@ -23183,84 +23493,6 @@
                         </a:rPr>
                         <a:t>Ausgangslage</a:t>
                       </a:r>
-                    </a:p>
-                  </a:txBody>
-                  <a:tcPr/>
-                </a:tc>
-                <a:tc>
-                  <a:txBody>
-                    <a:bodyPr/>
-                    <a:lstStyle/>
-                    <a:p>
-                      <a:pPr marL="0" marR="0" lvl="0" indent="0" algn="ctr" defTabSz="914400" rtl="0" eaLnBrk="1" fontAlgn="auto" latinLnBrk="0" hangingPunct="1">
-                        <a:lnSpc>
-                          <a:spcPct val="100000"/>
-                        </a:lnSpc>
-                        <a:spcBef>
-                          <a:spcPts val="0"/>
-                        </a:spcBef>
-                        <a:spcAft>
-                          <a:spcPts val="0"/>
-                        </a:spcAft>
-                        <a:buClrTx/>
-                        <a:buSzTx/>
-                        <a:buFontTx/>
-                        <a:buNone/>
-                        <a:tabLst/>
-                        <a:defRPr/>
-                      </a:pPr>
-                      <a:r>
-                        <a:rPr lang="de-DE" sz="3200" b="1" kern="1200" dirty="0">
-                          <a:solidFill>
-                            <a:srgbClr val="9A8B67"/>
-                          </a:solidFill>
-                          <a:latin typeface="+mn-lt"/>
-                          <a:ea typeface="+mn-ea"/>
-                          <a:cs typeface="+mn-cs"/>
-                        </a:rPr>
-                        <a:t>Problem</a:t>
-                      </a:r>
-                    </a:p>
-                  </a:txBody>
-                  <a:tcPr/>
-                </a:tc>
-                <a:tc>
-                  <a:txBody>
-                    <a:bodyPr/>
-                    <a:lstStyle/>
-                    <a:p>
-                      <a:pPr marL="0" marR="0" lvl="0" indent="0" algn="ctr" defTabSz="914400" rtl="0" eaLnBrk="1" fontAlgn="auto" latinLnBrk="0" hangingPunct="1">
-                        <a:lnSpc>
-                          <a:spcPct val="100000"/>
-                        </a:lnSpc>
-                        <a:spcBef>
-                          <a:spcPts val="0"/>
-                        </a:spcBef>
-                        <a:spcAft>
-                          <a:spcPts val="0"/>
-                        </a:spcAft>
-                        <a:buClrTx/>
-                        <a:buSzTx/>
-                        <a:buFontTx/>
-                        <a:buNone/>
-                        <a:tabLst/>
-                        <a:defRPr/>
-                      </a:pPr>
-                      <a:r>
-                        <a:rPr lang="de-DE" sz="3200" b="1" kern="1200" dirty="0">
-                          <a:solidFill>
-                            <a:srgbClr val="9A8B67"/>
-                          </a:solidFill>
-                          <a:latin typeface="+mn-lt"/>
-                          <a:ea typeface="+mn-ea"/>
-                          <a:cs typeface="+mn-cs"/>
-                        </a:rPr>
-                        <a:t>Unsere Lösung</a:t>
-                      </a:r>
-                    </a:p>
-                    <a:p>
-                      <a:pPr algn="ctr"/>
-                      <a:endParaRPr lang="en-US" dirty="0"/>
                     </a:p>
                   </a:txBody>
                   <a:tcPr/>
@@ -23304,6 +23536,38 @@
                       </a:r>
                     </a:p>
                     <a:p>
+                      <a:pPr marL="342900" marR="0" lvl="0" indent="-342900" algn="ctr" defTabSz="914400" rtl="0" eaLnBrk="1" fontAlgn="auto" latinLnBrk="0" hangingPunct="1">
+                        <a:lnSpc>
+                          <a:spcPct val="100000"/>
+                        </a:lnSpc>
+                        <a:spcBef>
+                          <a:spcPts val="0"/>
+                        </a:spcBef>
+                        <a:spcAft>
+                          <a:spcPts val="0"/>
+                        </a:spcAft>
+                        <a:buClrTx/>
+                        <a:buSzTx/>
+                        <a:buFont typeface="Wingdings" panose="05000000000000000000" pitchFamily="2" charset="2"/>
+                        <a:buChar char="à"/>
+                        <a:tabLst/>
+                        <a:defRPr/>
+                      </a:pPr>
+                      <a:r>
+                        <a:rPr lang="de-DE" sz="2000" dirty="0">
+                          <a:solidFill>
+                            <a:srgbClr val="9A8B67"/>
+                          </a:solidFill>
+                        </a:rPr>
+                        <a:t>Gemeinden müssen</a:t>
+                      </a:r>
+                      <a:endParaRPr lang="de-DE" sz="2000" b="0" dirty="0">
+                        <a:solidFill>
+                          <a:srgbClr val="9A8B67"/>
+                        </a:solidFill>
+                      </a:endParaRPr>
+                    </a:p>
+                    <a:p>
                       <a:pPr marL="0" marR="0" lvl="0" indent="0" algn="ctr" defTabSz="914400" rtl="0" eaLnBrk="1" fontAlgn="auto" latinLnBrk="0" hangingPunct="1">
                         <a:lnSpc>
                           <a:spcPct val="100000"/>
@@ -23316,28 +23580,11 @@
                         </a:spcAft>
                         <a:buClrTx/>
                         <a:buSzTx/>
-                        <a:buFontTx/>
+                        <a:buFont typeface="Wingdings" panose="05000000000000000000" pitchFamily="2" charset="2"/>
                         <a:buNone/>
                         <a:tabLst/>
                         <a:defRPr/>
                       </a:pPr>
-                      <a:r>
-                        <a:rPr lang="de-DE" sz="2000" dirty="0">
-                          <a:solidFill>
-                            <a:srgbClr val="9A8B67"/>
-                          </a:solidFill>
-                          <a:sym typeface="Wingdings" panose="05000000000000000000" pitchFamily="2" charset="2"/>
-                        </a:rPr>
-                        <a:t> </a:t>
-                      </a:r>
-                      <a:r>
-                        <a:rPr lang="de-DE" sz="2000" dirty="0">
-                          <a:solidFill>
-                            <a:srgbClr val="9A8B67"/>
-                          </a:solidFill>
-                        </a:rPr>
-                        <a:t>Gemeinden müssen </a:t>
-                      </a:r>
                       <a:r>
                         <a:rPr lang="de-DE" sz="2000" b="1" dirty="0">
                           <a:solidFill>
@@ -23382,6 +23629,56 @@
                   </a:txBody>
                   <a:tcPr anchor="ctr"/>
                 </a:tc>
+                <a:extLst>
+                  <a:ext uri="{0D108BD9-81ED-4DB2-BD59-A6C34878D82A}">
+                    <a16:rowId xmlns:a16="http://schemas.microsoft.com/office/drawing/2014/main" val="2419309117"/>
+                  </a:ext>
+                </a:extLst>
+              </a:tr>
+            </a:tbl>
+          </a:graphicData>
+        </a:graphic>
+      </p:graphicFrame>
+      <p:graphicFrame>
+        <p:nvGraphicFramePr>
+          <p:cNvPr id="8" name="Tabelle 7">
+            <a:extLst>
+              <a:ext uri="{FF2B5EF4-FFF2-40B4-BE49-F238E27FC236}">
+                <a16:creationId xmlns:a16="http://schemas.microsoft.com/office/drawing/2014/main" id="{A6FD625E-27EF-12BA-0EEC-847821501DF8}"/>
+              </a:ext>
+            </a:extLst>
+          </p:cNvPr>
+          <p:cNvGraphicFramePr>
+            <a:graphicFrameLocks noGrp="1"/>
+          </p:cNvGraphicFramePr>
+          <p:nvPr>
+            <p:extLst>
+              <p:ext uri="{D42A27DB-BD31-4B8C-83A1-F6EECF244321}">
+                <p14:modId xmlns:p14="http://schemas.microsoft.com/office/powerpoint/2010/main" val="800662502"/>
+              </p:ext>
+            </p:extLst>
+          </p:nvPr>
+        </p:nvGraphicFramePr>
+        <p:xfrm>
+          <a:off x="4267200" y="1106699"/>
+          <a:ext cx="3657600" cy="2102763"/>
+        </p:xfrm>
+        <a:graphic>
+          <a:graphicData uri="http://schemas.openxmlformats.org/drawingml/2006/table">
+            <a:tbl>
+              <a:tblPr firstRow="1" bandRow="1">
+                <a:tableStyleId>{2D5ABB26-0587-4C30-8999-92F81FD0307C}</a:tableStyleId>
+              </a:tblPr>
+              <a:tblGrid>
+                <a:gridCol w="3657600">
+                  <a:extLst>
+                    <a:ext uri="{9D8B030D-6E8A-4147-A177-3AD203B41FA5}">
+                      <a16:colId xmlns:a16="http://schemas.microsoft.com/office/drawing/2014/main" val="1746646828"/>
+                    </a:ext>
+                  </a:extLst>
+                </a:gridCol>
+              </a:tblGrid>
+              <a:tr h="913764">
                 <a:tc>
                   <a:txBody>
                     <a:bodyPr/>
@@ -23405,15 +23702,83 @@
                         <a:defRPr/>
                       </a:pPr>
                       <a:r>
-                        <a:rPr lang="de-DE" sz="1800" dirty="0">
+                        <a:rPr lang="de-DE" sz="3200" b="1" dirty="0">
                           <a:solidFill>
                             <a:srgbClr val="9A8B67"/>
                           </a:solidFill>
                         </a:rPr>
-                        <a:t>Klimadaten sind </a:t>
+                        <a:t>Problem</a:t>
+                      </a:r>
+                    </a:p>
+                  </a:txBody>
+                  <a:tcPr/>
+                </a:tc>
+                <a:extLst>
+                  <a:ext uri="{0D108BD9-81ED-4DB2-BD59-A6C34878D82A}">
+                    <a16:rowId xmlns:a16="http://schemas.microsoft.com/office/drawing/2014/main" val="2839983029"/>
+                  </a:ext>
+                </a:extLst>
+              </a:tr>
+              <a:tr h="1188999">
+                <a:tc>
+                  <a:txBody>
+                    <a:bodyPr/>
+                    <a:lstStyle/>
+                    <a:p>
+                      <a:pPr marL="0" marR="0" lvl="0" indent="0" algn="ctr" defTabSz="914400" rtl="0" eaLnBrk="1" fontAlgn="auto" latinLnBrk="0" hangingPunct="1">
+                        <a:lnSpc>
+                          <a:spcPct val="100000"/>
+                        </a:lnSpc>
+                        <a:spcBef>
+                          <a:spcPts val="0"/>
+                        </a:spcBef>
+                        <a:spcAft>
+                          <a:spcPts val="0"/>
+                        </a:spcAft>
+                        <a:buClrTx/>
+                        <a:buSzTx/>
+                        <a:buFontTx/>
+                        <a:buNone/>
+                        <a:tabLst/>
+                        <a:defRPr/>
+                      </a:pPr>
+                      <a:r>
+                        <a:rPr lang="de-DE" sz="2000" dirty="0">
+                          <a:solidFill>
+                            <a:srgbClr val="9A8B67"/>
+                          </a:solidFill>
+                        </a:rPr>
+                        <a:t>Klimadaten aus Satelliten</a:t>
+                      </a:r>
+                    </a:p>
+                    <a:p>
+                      <a:pPr marL="0" marR="0" lvl="0" indent="0" algn="ctr" defTabSz="914400" rtl="0" eaLnBrk="1" fontAlgn="auto" latinLnBrk="0" hangingPunct="1">
+                        <a:lnSpc>
+                          <a:spcPct val="100000"/>
+                        </a:lnSpc>
+                        <a:spcBef>
+                          <a:spcPts val="0"/>
+                        </a:spcBef>
+                        <a:spcAft>
+                          <a:spcPts val="0"/>
+                        </a:spcAft>
+                        <a:buClrTx/>
+                        <a:buSzTx/>
+                        <a:buFontTx/>
+                        <a:buNone/>
+                        <a:tabLst/>
+                        <a:defRPr/>
+                      </a:pPr>
+                      <a:r>
+                        <a:rPr lang="de-DE" sz="2000" dirty="0">
+                          <a:solidFill>
+                            <a:srgbClr val="9A8B67"/>
+                          </a:solidFill>
+                        </a:rPr>
+                        <a:t> sind </a:t>
                       </a:r>
                       <a:r>
-                        <a:rPr lang="de-DE" sz="1800" b="1" dirty="0">
+                        <a:rPr lang="de-DE" sz="2000" b="1" dirty="0">
                           <a:solidFill>
                             <a:srgbClr val="9A8B67"/>
                           </a:solidFill>
@@ -23421,7 +23786,7 @@
                         <a:t>komplex</a:t>
                       </a:r>
                       <a:r>
-                        <a:rPr lang="de-DE" sz="1800" dirty="0">
+                        <a:rPr lang="de-DE" sz="2000" dirty="0">
                           <a:solidFill>
                             <a:srgbClr val="9A8B67"/>
                           </a:solidFill>
@@ -23430,12 +23795,123 @@
                       </a:r>
                     </a:p>
                     <a:p>
-                      <a:pPr algn="ctr"/>
-                      <a:endParaRPr lang="en-US" dirty="0"/>
+                      <a:pPr marL="0" marR="0" lvl="0" indent="0" algn="ctr" defTabSz="914400" rtl="0" eaLnBrk="1" fontAlgn="auto" latinLnBrk="0" hangingPunct="1">
+                        <a:lnSpc>
+                          <a:spcPct val="100000"/>
+                        </a:lnSpc>
+                        <a:spcBef>
+                          <a:spcPts val="0"/>
+                        </a:spcBef>
+                        <a:spcAft>
+                          <a:spcPts val="0"/>
+                        </a:spcAft>
+                        <a:buClrTx/>
+                        <a:buSzTx/>
+                        <a:buFontTx/>
+                        <a:buNone/>
+                        <a:tabLst/>
+                        <a:defRPr/>
+                      </a:pPr>
+                      <a:endParaRPr lang="de-DE" sz="1800" dirty="0">
+                        <a:solidFill>
+                          <a:srgbClr val="9A8B67"/>
+                        </a:solidFill>
+                      </a:endParaRPr>
                     </a:p>
                   </a:txBody>
                   <a:tcPr anchor="ctr"/>
                 </a:tc>
+                <a:extLst>
+                  <a:ext uri="{0D108BD9-81ED-4DB2-BD59-A6C34878D82A}">
+                    <a16:rowId xmlns:a16="http://schemas.microsoft.com/office/drawing/2014/main" val="632420373"/>
+                  </a:ext>
+                </a:extLst>
+              </a:tr>
+            </a:tbl>
+          </a:graphicData>
+        </a:graphic>
+      </p:graphicFrame>
+      <p:graphicFrame>
+        <p:nvGraphicFramePr>
+          <p:cNvPr id="9" name="Tabelle 8">
+            <a:extLst>
+              <a:ext uri="{FF2B5EF4-FFF2-40B4-BE49-F238E27FC236}">
+                <a16:creationId xmlns:a16="http://schemas.microsoft.com/office/drawing/2014/main" id="{BD9EB9E5-75CC-1ECD-AD56-55DA9D7C485D}"/>
+              </a:ext>
+            </a:extLst>
+          </p:cNvPr>
+          <p:cNvGraphicFramePr>
+            <a:graphicFrameLocks noGrp="1"/>
+          </p:cNvGraphicFramePr>
+          <p:nvPr>
+            <p:extLst>
+              <p:ext uri="{D42A27DB-BD31-4B8C-83A1-F6EECF244321}">
+                <p14:modId xmlns:p14="http://schemas.microsoft.com/office/powerpoint/2010/main" val="1621963051"/>
+              </p:ext>
+            </p:extLst>
+          </p:nvPr>
+        </p:nvGraphicFramePr>
+        <p:xfrm>
+          <a:off x="8163374" y="1055436"/>
+          <a:ext cx="3657600" cy="2651124"/>
+        </p:xfrm>
+        <a:graphic>
+          <a:graphicData uri="http://schemas.openxmlformats.org/drawingml/2006/table">
+            <a:tbl>
+              <a:tblPr firstRow="1" bandRow="1">
+                <a:tableStyleId>{2D5ABB26-0587-4C30-8999-92F81FD0307C}</a:tableStyleId>
+              </a:tblPr>
+              <a:tblGrid>
+                <a:gridCol w="3657600">
+                  <a:extLst>
+                    <a:ext uri="{9D8B030D-6E8A-4147-A177-3AD203B41FA5}">
+                      <a16:colId xmlns:a16="http://schemas.microsoft.com/office/drawing/2014/main" val="1746646828"/>
+                    </a:ext>
+                  </a:extLst>
+                </a:gridCol>
+              </a:tblGrid>
+              <a:tr h="913764">
+                <a:tc>
+                  <a:txBody>
+                    <a:bodyPr/>
+                    <a:lstStyle/>
+                    <a:p>
+                      <a:pPr marL="0" marR="0" lvl="0" indent="0" algn="ctr" defTabSz="914400" rtl="0" eaLnBrk="1" fontAlgn="auto" latinLnBrk="0" hangingPunct="1">
+                        <a:lnSpc>
+                          <a:spcPct val="100000"/>
+                        </a:lnSpc>
+                        <a:spcBef>
+                          <a:spcPts val="0"/>
+                        </a:spcBef>
+                        <a:spcAft>
+                          <a:spcPts val="0"/>
+                        </a:spcAft>
+                        <a:buClrTx/>
+                        <a:buSzTx/>
+                        <a:buFontTx/>
+                        <a:buNone/>
+                        <a:tabLst/>
+                        <a:defRPr/>
+                      </a:pPr>
+                      <a:r>
+                        <a:rPr lang="de-DE" sz="3200" b="1" dirty="0">
+                          <a:solidFill>
+                            <a:srgbClr val="9A8B67"/>
+                          </a:solidFill>
+                        </a:rPr>
+                        <a:t>Lösung</a:t>
+                      </a:r>
+                    </a:p>
+                  </a:txBody>
+                  <a:tcPr/>
+                </a:tc>
+                <a:extLst>
+                  <a:ext uri="{0D108BD9-81ED-4DB2-BD59-A6C34878D82A}">
+                    <a16:rowId xmlns:a16="http://schemas.microsoft.com/office/drawing/2014/main" val="2839983029"/>
+                  </a:ext>
+                </a:extLst>
+              </a:tr>
+              <a:tr h="1188999">
                 <a:tc>
                   <a:txBody>
                     <a:bodyPr/>
@@ -23449,15 +23925,24 @@
                         <a:buNone/>
                       </a:pPr>
                       <a:r>
-                        <a:rPr lang="de-DE" b="1" dirty="0">
+                        <a:rPr lang="de-DE" sz="2000" b="1" dirty="0">
                           <a:solidFill>
                             <a:srgbClr val="9A8B67"/>
                           </a:solidFill>
                         </a:rPr>
-                        <a:t>Automatisierte Analyse </a:t>
+                        <a:t>Automatisierte Analyse</a:t>
                       </a:r>
+                    </a:p>
+                    <a:p>
+                      <a:pPr marL="0" indent="0" algn="ctr">
+                        <a:lnSpc>
+                          <a:spcPct val="150000"/>
+                        </a:lnSpc>
+                        <a:buFont typeface="Arial" panose="020B0604020202020204" pitchFamily="34" charset="0"/>
+                        <a:buNone/>
+                      </a:pPr>
                       <a:r>
-                        <a:rPr lang="de-DE" dirty="0">
+                        <a:rPr lang="de-DE" sz="2000" dirty="0">
                           <a:solidFill>
                             <a:srgbClr val="9A8B67"/>
                           </a:solidFill>
@@ -23465,7 +23950,7 @@
                         <a:t>von Satellitendaten (Copernicus / </a:t>
                       </a:r>
                       <a:r>
-                        <a:rPr lang="de-DE" dirty="0" err="1">
+                        <a:rPr lang="de-DE" sz="2000" dirty="0" err="1">
                           <a:solidFill>
                             <a:srgbClr val="9A8B67"/>
                           </a:solidFill>
@@ -23473,24 +23958,49 @@
                         <a:t>Landsat</a:t>
                       </a:r>
                       <a:r>
-                        <a:rPr lang="de-DE" dirty="0">
+                        <a:rPr lang="de-DE" sz="2000" dirty="0">
                           <a:solidFill>
                             <a:srgbClr val="9A8B67"/>
                           </a:solidFill>
                         </a:rPr>
                         <a:t>)</a:t>
                       </a:r>
+                      <a:endParaRPr lang="en-US" sz="2000" dirty="0">
+                        <a:solidFill>
+                          <a:srgbClr val="9A8B67"/>
+                        </a:solidFill>
+                      </a:endParaRPr>
                     </a:p>
                     <a:p>
-                      <a:pPr algn="ctr"/>
-                      <a:endParaRPr lang="en-US" dirty="0"/>
+                      <a:pPr marL="0" marR="0" lvl="0" indent="0" algn="ctr" defTabSz="914400" rtl="0" eaLnBrk="1" fontAlgn="auto" latinLnBrk="0" hangingPunct="1">
+                        <a:lnSpc>
+                          <a:spcPct val="100000"/>
+                        </a:lnSpc>
+                        <a:spcBef>
+                          <a:spcPts val="0"/>
+                        </a:spcBef>
+                        <a:spcAft>
+                          <a:spcPts val="0"/>
+                        </a:spcAft>
+                        <a:buClrTx/>
+                        <a:buSzTx/>
+                        <a:buFontTx/>
+                        <a:buNone/>
+                        <a:tabLst/>
+                        <a:defRPr/>
+                      </a:pPr>
+                      <a:endParaRPr lang="de-DE" sz="1800" dirty="0">
+                        <a:solidFill>
+                          <a:srgbClr val="9A8B67"/>
+                        </a:solidFill>
+                      </a:endParaRPr>
                     </a:p>
                   </a:txBody>
                   <a:tcPr anchor="ctr"/>
                 </a:tc>
                 <a:extLst>
                   <a:ext uri="{0D108BD9-81ED-4DB2-BD59-A6C34878D82A}">
-                    <a16:rowId xmlns:a16="http://schemas.microsoft.com/office/drawing/2014/main" val="2419309117"/>
+                    <a16:rowId xmlns:a16="http://schemas.microsoft.com/office/drawing/2014/main" val="632420373"/>
                   </a:ext>
                 </a:extLst>
               </a:tr>
@@ -23498,20 +24008,690 @@
           </a:graphicData>
         </a:graphic>
       </p:graphicFrame>
+      <p:pic>
+        <p:nvPicPr>
+          <p:cNvPr id="11" name="Grafik 10" descr="Ein Bild, das Karte, Erde, Planet, Kugel enthält.&#10;&#10;Automatisch generierte Beschreibung">
+            <a:extLst>
+              <a:ext uri="{FF2B5EF4-FFF2-40B4-BE49-F238E27FC236}">
+                <a16:creationId xmlns:a16="http://schemas.microsoft.com/office/drawing/2014/main" id="{A12007D6-467D-0A51-28C5-F19942105441}"/>
+              </a:ext>
+            </a:extLst>
+          </p:cNvPr>
+          <p:cNvPicPr>
+            <a:picLocks noChangeAspect="1"/>
+          </p:cNvPicPr>
+          <p:nvPr/>
+        </p:nvPicPr>
+        <p:blipFill>
+          <a:blip r:embed="rId4">
+            <a:extLst>
+              <a:ext uri="{28A0092B-C50C-407E-A947-70E740481C1C}">
+                <a14:useLocalDpi xmlns:a14="http://schemas.microsoft.com/office/drawing/2010/main" val="0"/>
+              </a:ext>
+            </a:extLst>
+          </a:blip>
+          <a:stretch>
+            <a:fillRect/>
+          </a:stretch>
+        </p:blipFill>
+        <p:spPr>
+          <a:xfrm>
+            <a:off x="479924" y="3655509"/>
+            <a:ext cx="3293440" cy="2695575"/>
+          </a:xfrm>
+          <a:prstGeom prst="rect">
+            <a:avLst/>
+          </a:prstGeom>
+          <a:ln w="63500">
+            <a:solidFill>
+              <a:srgbClr val="9A8B67"/>
+            </a:solidFill>
+          </a:ln>
+        </p:spPr>
+      </p:pic>
+      <p:pic>
+        <p:nvPicPr>
+          <p:cNvPr id="15" name="Grafik 14" descr="Ein Bild, das Transport, Satellit, Raum, Raumstation enthält.&#10;&#10;Automatisch generierte Beschreibung">
+            <a:extLst>
+              <a:ext uri="{FF2B5EF4-FFF2-40B4-BE49-F238E27FC236}">
+                <a16:creationId xmlns:a16="http://schemas.microsoft.com/office/drawing/2014/main" id="{61147577-B0F4-59C1-FBF8-4B2C1BB0E347}"/>
+              </a:ext>
+            </a:extLst>
+          </p:cNvPr>
+          <p:cNvPicPr>
+            <a:picLocks noChangeAspect="1"/>
+          </p:cNvPicPr>
+          <p:nvPr/>
+        </p:nvPicPr>
+        <p:blipFill>
+          <a:blip r:embed="rId5">
+            <a:extLst>
+              <a:ext uri="{28A0092B-C50C-407E-A947-70E740481C1C}">
+                <a14:useLocalDpi xmlns:a14="http://schemas.microsoft.com/office/drawing/2010/main" val="0"/>
+              </a:ext>
+            </a:extLst>
+          </a:blip>
+          <a:stretch>
+            <a:fillRect/>
+          </a:stretch>
+        </p:blipFill>
+        <p:spPr>
+          <a:xfrm>
+            <a:off x="4585913" y="4077016"/>
+            <a:ext cx="3293440" cy="1852560"/>
+          </a:xfrm>
+          <a:prstGeom prst="rect">
+            <a:avLst/>
+          </a:prstGeom>
+          <a:ln w="63500">
+            <a:solidFill>
+              <a:srgbClr val="9A8B67"/>
+            </a:solidFill>
+          </a:ln>
+        </p:spPr>
+      </p:pic>
+      <p:pic>
+        <p:nvPicPr>
+          <p:cNvPr id="16" name="Picture 8">
+            <a:extLst>
+              <a:ext uri="{FF2B5EF4-FFF2-40B4-BE49-F238E27FC236}">
+                <a16:creationId xmlns:a16="http://schemas.microsoft.com/office/drawing/2014/main" id="{D5D2F45A-3669-FAC0-ED6E-A9D669818340}"/>
+              </a:ext>
+            </a:extLst>
+          </p:cNvPr>
+          <p:cNvPicPr>
+            <a:picLocks noChangeAspect="1"/>
+          </p:cNvPicPr>
+          <p:nvPr/>
+        </p:nvPicPr>
+        <p:blipFill rotWithShape="1">
+          <a:blip r:embed="rId6"/>
+          <a:srcRect l="23505" t="9164" r="13826" b="8763"/>
+          <a:stretch/>
+        </p:blipFill>
+        <p:spPr>
+          <a:xfrm>
+            <a:off x="8968700" y="3819494"/>
+            <a:ext cx="2270384" cy="2270385"/>
+          </a:xfrm>
+          <a:prstGeom prst="ellipse">
+            <a:avLst/>
+          </a:prstGeom>
+          <a:ln w="63500">
+            <a:solidFill>
+              <a:srgbClr val="9A8B67"/>
+            </a:solidFill>
+          </a:ln>
+        </p:spPr>
+      </p:pic>
     </p:spTree>
     <p:extLst>
       <p:ext uri="{BB962C8B-B14F-4D97-AF65-F5344CB8AC3E}">
-        <p14:creationId xmlns:p14="http://schemas.microsoft.com/office/powerpoint/2010/main" val="3486533187"/>
+        <p14:creationId xmlns:p14="http://schemas.microsoft.com/office/powerpoint/2010/main" val="831630031"/>
       </p:ext>
     </p:extLst>
   </p:cSld>
   <p:clrMapOvr>
     <a:masterClrMapping/>
   </p:clrMapOvr>
+  <p:timing>
+    <p:tnLst>
+      <p:par>
+        <p:cTn id="1" dur="indefinite" restart="never" nodeType="tmRoot">
+          <p:childTnLst>
+            <p:seq concurrent="1" nextAc="seek">
+              <p:cTn id="2" dur="indefinite" nodeType="mainSeq">
+                <p:childTnLst>
+                  <p:par>
+                    <p:cTn id="3" fill="hold">
+                      <p:stCondLst>
+                        <p:cond delay="indefinite"/>
+                      </p:stCondLst>
+                      <p:childTnLst>
+                        <p:par>
+                          <p:cTn id="4" fill="hold">
+                            <p:stCondLst>
+                              <p:cond delay="0"/>
+                            </p:stCondLst>
+                            <p:childTnLst>
+                              <p:par>
+                                <p:cTn id="5" presetID="10" presetClass="entr" presetSubtype="0" fill="hold" nodeType="clickEffect">
+                                  <p:stCondLst>
+                                    <p:cond delay="0"/>
+                                  </p:stCondLst>
+                                  <p:childTnLst>
+                                    <p:set>
+                                      <p:cBhvr>
+                                        <p:cTn id="6" dur="1" fill="hold">
+                                          <p:stCondLst>
+                                            <p:cond delay="0"/>
+                                          </p:stCondLst>
+                                        </p:cTn>
+                                        <p:tgtEl>
+                                          <p:spTgt spid="6"/>
+                                        </p:tgtEl>
+                                        <p:attrNameLst>
+                                          <p:attrName>style.visibility</p:attrName>
+                                        </p:attrNameLst>
+                                      </p:cBhvr>
+                                      <p:to>
+                                        <p:strVal val="visible"/>
+                                      </p:to>
+                                    </p:set>
+                                    <p:animEffect transition="in" filter="fade">
+                                      <p:cBhvr>
+                                        <p:cTn id="7" dur="500"/>
+                                        <p:tgtEl>
+                                          <p:spTgt spid="6"/>
+                                        </p:tgtEl>
+                                      </p:cBhvr>
+                                    </p:animEffect>
+                                  </p:childTnLst>
+                                </p:cTn>
+                              </p:par>
+                              <p:par>
+                                <p:cTn id="8" presetID="10" presetClass="entr" presetSubtype="0" fill="hold" nodeType="withEffect">
+                                  <p:stCondLst>
+                                    <p:cond delay="0"/>
+                                  </p:stCondLst>
+                                  <p:childTnLst>
+                                    <p:set>
+                                      <p:cBhvr>
+                                        <p:cTn id="9" dur="1" fill="hold">
+                                          <p:stCondLst>
+                                            <p:cond delay="0"/>
+                                          </p:stCondLst>
+                                        </p:cTn>
+                                        <p:tgtEl>
+                                          <p:spTgt spid="11"/>
+                                        </p:tgtEl>
+                                        <p:attrNameLst>
+                                          <p:attrName>style.visibility</p:attrName>
+                                        </p:attrNameLst>
+                                      </p:cBhvr>
+                                      <p:to>
+                                        <p:strVal val="visible"/>
+                                      </p:to>
+                                    </p:set>
+                                    <p:animEffect transition="in" filter="fade">
+                                      <p:cBhvr>
+                                        <p:cTn id="10" dur="500"/>
+                                        <p:tgtEl>
+                                          <p:spTgt spid="11"/>
+                                        </p:tgtEl>
+                                      </p:cBhvr>
+                                    </p:animEffect>
+                                  </p:childTnLst>
+                                </p:cTn>
+                              </p:par>
+                            </p:childTnLst>
+                          </p:cTn>
+                        </p:par>
+                      </p:childTnLst>
+                    </p:cTn>
+                  </p:par>
+                  <p:par>
+                    <p:cTn id="11" fill="hold">
+                      <p:stCondLst>
+                        <p:cond delay="indefinite"/>
+                      </p:stCondLst>
+                      <p:childTnLst>
+                        <p:par>
+                          <p:cTn id="12" fill="hold">
+                            <p:stCondLst>
+                              <p:cond delay="0"/>
+                            </p:stCondLst>
+                            <p:childTnLst>
+                              <p:par>
+                                <p:cTn id="13" presetID="10" presetClass="entr" presetSubtype="0" fill="hold" nodeType="clickEffect">
+                                  <p:stCondLst>
+                                    <p:cond delay="0"/>
+                                  </p:stCondLst>
+                                  <p:childTnLst>
+                                    <p:set>
+                                      <p:cBhvr>
+                                        <p:cTn id="14" dur="1" fill="hold">
+                                          <p:stCondLst>
+                                            <p:cond delay="0"/>
+                                          </p:stCondLst>
+                                        </p:cTn>
+                                        <p:tgtEl>
+                                          <p:spTgt spid="8"/>
+                                        </p:tgtEl>
+                                        <p:attrNameLst>
+                                          <p:attrName>style.visibility</p:attrName>
+                                        </p:attrNameLst>
+                                      </p:cBhvr>
+                                      <p:to>
+                                        <p:strVal val="visible"/>
+                                      </p:to>
+                                    </p:set>
+                                    <p:animEffect transition="in" filter="fade">
+                                      <p:cBhvr>
+                                        <p:cTn id="15" dur="500"/>
+                                        <p:tgtEl>
+                                          <p:spTgt spid="8"/>
+                                        </p:tgtEl>
+                                      </p:cBhvr>
+                                    </p:animEffect>
+                                  </p:childTnLst>
+                                </p:cTn>
+                              </p:par>
+                              <p:par>
+                                <p:cTn id="16" presetID="10" presetClass="entr" presetSubtype="0" fill="hold" nodeType="withEffect">
+                                  <p:stCondLst>
+                                    <p:cond delay="0"/>
+                                  </p:stCondLst>
+                                  <p:childTnLst>
+                                    <p:set>
+                                      <p:cBhvr>
+                                        <p:cTn id="17" dur="1" fill="hold">
+                                          <p:stCondLst>
+                                            <p:cond delay="0"/>
+                                          </p:stCondLst>
+                                        </p:cTn>
+                                        <p:tgtEl>
+                                          <p:spTgt spid="15"/>
+                                        </p:tgtEl>
+                                        <p:attrNameLst>
+                                          <p:attrName>style.visibility</p:attrName>
+                                        </p:attrNameLst>
+                                      </p:cBhvr>
+                                      <p:to>
+                                        <p:strVal val="visible"/>
+                                      </p:to>
+                                    </p:set>
+                                    <p:animEffect transition="in" filter="fade">
+                                      <p:cBhvr>
+                                        <p:cTn id="18" dur="500"/>
+                                        <p:tgtEl>
+                                          <p:spTgt spid="15"/>
+                                        </p:tgtEl>
+                                      </p:cBhvr>
+                                    </p:animEffect>
+                                  </p:childTnLst>
+                                </p:cTn>
+                              </p:par>
+                            </p:childTnLst>
+                          </p:cTn>
+                        </p:par>
+                      </p:childTnLst>
+                    </p:cTn>
+                  </p:par>
+                  <p:par>
+                    <p:cTn id="19" fill="hold">
+                      <p:stCondLst>
+                        <p:cond delay="indefinite"/>
+                      </p:stCondLst>
+                      <p:childTnLst>
+                        <p:par>
+                          <p:cTn id="20" fill="hold">
+                            <p:stCondLst>
+                              <p:cond delay="0"/>
+                            </p:stCondLst>
+                            <p:childTnLst>
+                              <p:par>
+                                <p:cTn id="21" presetID="10" presetClass="entr" presetSubtype="0" fill="hold" nodeType="clickEffect">
+                                  <p:stCondLst>
+                                    <p:cond delay="0"/>
+                                  </p:stCondLst>
+                                  <p:childTnLst>
+                                    <p:set>
+                                      <p:cBhvr>
+                                        <p:cTn id="22" dur="1" fill="hold">
+                                          <p:stCondLst>
+                                            <p:cond delay="0"/>
+                                          </p:stCondLst>
+                                        </p:cTn>
+                                        <p:tgtEl>
+                                          <p:spTgt spid="9"/>
+                                        </p:tgtEl>
+                                        <p:attrNameLst>
+                                          <p:attrName>style.visibility</p:attrName>
+                                        </p:attrNameLst>
+                                      </p:cBhvr>
+                                      <p:to>
+                                        <p:strVal val="visible"/>
+                                      </p:to>
+                                    </p:set>
+                                    <p:animEffect transition="in" filter="fade">
+                                      <p:cBhvr>
+                                        <p:cTn id="23" dur="500"/>
+                                        <p:tgtEl>
+                                          <p:spTgt spid="9"/>
+                                        </p:tgtEl>
+                                      </p:cBhvr>
+                                    </p:animEffect>
+                                  </p:childTnLst>
+                                </p:cTn>
+                              </p:par>
+                              <p:par>
+                                <p:cTn id="24" presetID="10" presetClass="entr" presetSubtype="0" fill="hold" nodeType="withEffect">
+                                  <p:stCondLst>
+                                    <p:cond delay="0"/>
+                                  </p:stCondLst>
+                                  <p:childTnLst>
+                                    <p:set>
+                                      <p:cBhvr>
+                                        <p:cTn id="25" dur="1" fill="hold">
+                                          <p:stCondLst>
+                                            <p:cond delay="0"/>
+                                          </p:stCondLst>
+                                        </p:cTn>
+                                        <p:tgtEl>
+                                          <p:spTgt spid="16"/>
+                                        </p:tgtEl>
+                                        <p:attrNameLst>
+                                          <p:attrName>style.visibility</p:attrName>
+                                        </p:attrNameLst>
+                                      </p:cBhvr>
+                                      <p:to>
+                                        <p:strVal val="visible"/>
+                                      </p:to>
+                                    </p:set>
+                                    <p:animEffect transition="in" filter="fade">
+                                      <p:cBhvr>
+                                        <p:cTn id="26" dur="500"/>
+                                        <p:tgtEl>
+                                          <p:spTgt spid="16"/>
+                                        </p:tgtEl>
+                                      </p:cBhvr>
+                                    </p:animEffect>
+                                  </p:childTnLst>
+                                </p:cTn>
+                              </p:par>
+                            </p:childTnLst>
+                          </p:cTn>
+                        </p:par>
+                      </p:childTnLst>
+                    </p:cTn>
+                  </p:par>
+                </p:childTnLst>
+              </p:cTn>
+              <p:prevCondLst>
+                <p:cond evt="onPrev" delay="0">
+                  <p:tgtEl>
+                    <p:sldTgt/>
+                  </p:tgtEl>
+                </p:cond>
+              </p:prevCondLst>
+              <p:nextCondLst>
+                <p:cond evt="onNext" delay="0">
+                  <p:tgtEl>
+                    <p:sldTgt/>
+                  </p:tgtEl>
+                </p:cond>
+              </p:nextCondLst>
+            </p:seq>
+          </p:childTnLst>
+        </p:cTn>
+      </p:par>
+    </p:tnLst>
+  </p:timing>
 </p:sld>
 </file>
 
 <file path=ppt/slides/slide3.xml><?xml version="1.0" encoding="utf-8"?>
+<p:sld xmlns:a="http://schemas.openxmlformats.org/drawingml/2006/main" xmlns:r="http://schemas.openxmlformats.org/officeDocument/2006/relationships" xmlns:p="http://schemas.openxmlformats.org/presentationml/2006/main">
+  <p:cSld>
+    <p:bg>
+      <p:bgPr>
+        <a:solidFill>
+          <a:schemeClr val="tx1"/>
+        </a:solidFill>
+        <a:effectLst/>
+      </p:bgPr>
+    </p:bg>
+    <p:spTree>
+      <p:nvGrpSpPr>
+        <p:cNvPr id="1" name=""/>
+        <p:cNvGrpSpPr/>
+        <p:nvPr/>
+      </p:nvGrpSpPr>
+      <p:grpSpPr>
+        <a:xfrm>
+          <a:off x="0" y="0"/>
+          <a:ext cx="0" cy="0"/>
+          <a:chOff x="0" y="0"/>
+          <a:chExt cx="0" cy="0"/>
+        </a:xfrm>
+      </p:grpSpPr>
+      <p:pic>
+        <p:nvPicPr>
+          <p:cNvPr id="3" name="Grafik 2">
+            <a:extLst>
+              <a:ext uri="{FF2B5EF4-FFF2-40B4-BE49-F238E27FC236}">
+                <a16:creationId xmlns:a16="http://schemas.microsoft.com/office/drawing/2014/main" id="{857BD046-B318-4F3A-8E20-2A6CF35674A5}"/>
+              </a:ext>
+            </a:extLst>
+          </p:cNvPr>
+          <p:cNvPicPr>
+            <a:picLocks noChangeAspect="1"/>
+          </p:cNvPicPr>
+          <p:nvPr/>
+        </p:nvPicPr>
+        <p:blipFill>
+          <a:blip r:embed="rId3">
+            <a:extLst>
+              <a:ext uri="{28A0092B-C50C-407E-A947-70E740481C1C}">
+                <a14:useLocalDpi xmlns:a14="http://schemas.microsoft.com/office/drawing/2010/main" val="0"/>
+              </a:ext>
+            </a:extLst>
+          </a:blip>
+          <a:stretch>
+            <a:fillRect/>
+          </a:stretch>
+        </p:blipFill>
+        <p:spPr>
+          <a:xfrm>
+            <a:off x="10103892" y="221582"/>
+            <a:ext cx="1840862" cy="433574"/>
+          </a:xfrm>
+          <a:prstGeom prst="rect">
+            <a:avLst/>
+          </a:prstGeom>
+        </p:spPr>
+      </p:pic>
+      <p:sp>
+        <p:nvSpPr>
+          <p:cNvPr id="9" name="Rechteck 8">
+            <a:extLst>
+              <a:ext uri="{FF2B5EF4-FFF2-40B4-BE49-F238E27FC236}">
+                <a16:creationId xmlns:a16="http://schemas.microsoft.com/office/drawing/2014/main" id="{82CF516B-C1DD-7065-843F-8902DAF58A2D}"/>
+              </a:ext>
+            </a:extLst>
+          </p:cNvPr>
+          <p:cNvSpPr/>
+          <p:nvPr/>
+        </p:nvSpPr>
+        <p:spPr>
+          <a:xfrm>
+            <a:off x="2827283" y="2417379"/>
+            <a:ext cx="6831724" cy="872359"/>
+          </a:xfrm>
+          <a:prstGeom prst="rect">
+            <a:avLst/>
+          </a:prstGeom>
+          <a:solidFill>
+            <a:srgbClr val="FFFFFF"/>
+          </a:solidFill>
+          <a:ln w="63500">
+            <a:solidFill>
+              <a:srgbClr val="9A8B67"/>
+            </a:solidFill>
+          </a:ln>
+        </p:spPr>
+        <p:style>
+          <a:lnRef idx="2">
+            <a:schemeClr val="accent1">
+              <a:shade val="50000"/>
+            </a:schemeClr>
+          </a:lnRef>
+          <a:fillRef idx="1">
+            <a:schemeClr val="accent1"/>
+          </a:fillRef>
+          <a:effectRef idx="0">
+            <a:schemeClr val="accent1"/>
+          </a:effectRef>
+          <a:fontRef idx="minor">
+            <a:schemeClr val="lt1"/>
+          </a:fontRef>
+        </p:style>
+        <p:txBody>
+          <a:bodyPr rot="0" spcFirstLastPara="0" vertOverflow="overflow" horzOverflow="overflow" vert="horz" wrap="square" lIns="91440" tIns="45720" rIns="91440" bIns="45720" numCol="1" spcCol="0" rtlCol="0" fromWordArt="0" anchor="ctr" anchorCtr="0" forceAA="0" compatLnSpc="1">
+            <a:prstTxWarp prst="textNoShape">
+              <a:avLst/>
+            </a:prstTxWarp>
+            <a:noAutofit/>
+          </a:bodyPr>
+          <a:lstStyle/>
+          <a:p>
+            <a:pPr algn="ctr"/>
+            <a:endParaRPr lang="en-US"/>
+          </a:p>
+        </p:txBody>
+      </p:sp>
+      <p:sp>
+        <p:nvSpPr>
+          <p:cNvPr id="10" name="Textfeld 9">
+            <a:extLst>
+              <a:ext uri="{FF2B5EF4-FFF2-40B4-BE49-F238E27FC236}">
+                <a16:creationId xmlns:a16="http://schemas.microsoft.com/office/drawing/2014/main" id="{9C29DF53-FA8E-15F0-6E77-711D6B898320}"/>
+              </a:ext>
+            </a:extLst>
+          </p:cNvPr>
+          <p:cNvSpPr txBox="1"/>
+          <p:nvPr/>
+        </p:nvSpPr>
+        <p:spPr>
+          <a:xfrm>
+            <a:off x="3184635" y="2270234"/>
+            <a:ext cx="5328744" cy="889539"/>
+          </a:xfrm>
+          <a:prstGeom prst="rect">
+            <a:avLst/>
+          </a:prstGeom>
+          <a:noFill/>
+        </p:spPr>
+        <p:txBody>
+          <a:bodyPr wrap="square" lIns="0" tIns="0" bIns="0" rtlCol="0" anchor="t">
+            <a:spAutoFit/>
+          </a:bodyPr>
+          <a:lstStyle/>
+          <a:p>
+            <a:pPr algn="l">
+              <a:lnSpc>
+                <a:spcPct val="150000"/>
+              </a:lnSpc>
+            </a:pPr>
+            <a:r>
+              <a:rPr lang="de-DE" sz="4400" dirty="0"/>
+              <a:t>78462</a:t>
+            </a:r>
+            <a:endParaRPr lang="en-US" sz="4400" dirty="0"/>
+          </a:p>
+        </p:txBody>
+      </p:sp>
+    </p:spTree>
+    <p:extLst>
+      <p:ext uri="{BB962C8B-B14F-4D97-AF65-F5344CB8AC3E}">
+        <p14:creationId xmlns:p14="http://schemas.microsoft.com/office/powerpoint/2010/main" val="3452392272"/>
+      </p:ext>
+    </p:extLst>
+  </p:cSld>
+  <p:clrMapOvr>
+    <a:masterClrMapping/>
+  </p:clrMapOvr>
+  <p:timing>
+    <p:tnLst>
+      <p:par>
+        <p:cTn id="1" dur="indefinite" restart="never" nodeType="tmRoot">
+          <p:childTnLst>
+            <p:seq concurrent="1" nextAc="seek">
+              <p:cTn id="2" dur="indefinite" nodeType="mainSeq">
+                <p:childTnLst>
+                  <p:par>
+                    <p:cTn id="3" fill="hold">
+                      <p:stCondLst>
+                        <p:cond delay="indefinite"/>
+                      </p:stCondLst>
+                      <p:childTnLst>
+                        <p:par>
+                          <p:cTn id="4" fill="hold">
+                            <p:stCondLst>
+                              <p:cond delay="0"/>
+                            </p:stCondLst>
+                            <p:childTnLst>
+                              <p:par>
+                                <p:cTn id="5" presetID="22" presetClass="entr" presetSubtype="8" fill="hold" grpId="0" nodeType="clickEffect">
+                                  <p:stCondLst>
+                                    <p:cond delay="0"/>
+                                  </p:stCondLst>
+                                  <p:childTnLst>
+                                    <p:set>
+                                      <p:cBhvr>
+                                        <p:cTn id="6" dur="1" fill="hold">
+                                          <p:stCondLst>
+                                            <p:cond delay="0"/>
+                                          </p:stCondLst>
+                                        </p:cTn>
+                                        <p:tgtEl>
+                                          <p:spTgt spid="10"/>
+                                        </p:tgtEl>
+                                        <p:attrNameLst>
+                                          <p:attrName>style.visibility</p:attrName>
+                                        </p:attrNameLst>
+                                      </p:cBhvr>
+                                      <p:to>
+                                        <p:strVal val="visible"/>
+                                      </p:to>
+                                    </p:set>
+                                    <p:animEffect transition="in" filter="wipe(left)">
+                                      <p:cBhvr>
+                                        <p:cTn id="7" dur="1500"/>
+                                        <p:tgtEl>
+                                          <p:spTgt spid="10"/>
+                                        </p:tgtEl>
+                                      </p:cBhvr>
+                                    </p:animEffect>
+                                  </p:childTnLst>
+                                </p:cTn>
+                              </p:par>
+                            </p:childTnLst>
+                          </p:cTn>
+                        </p:par>
+                      </p:childTnLst>
+                    </p:cTn>
+                  </p:par>
+                </p:childTnLst>
+              </p:cTn>
+              <p:prevCondLst>
+                <p:cond evt="onPrev" delay="0">
+                  <p:tgtEl>
+                    <p:sldTgt/>
+                  </p:tgtEl>
+                </p:cond>
+              </p:prevCondLst>
+              <p:nextCondLst>
+                <p:cond evt="onNext" delay="0">
+                  <p:tgtEl>
+                    <p:sldTgt/>
+                  </p:tgtEl>
+                </p:cond>
+              </p:nextCondLst>
+            </p:seq>
+          </p:childTnLst>
+        </p:cTn>
+      </p:par>
+    </p:tnLst>
+    <p:bldLst>
+      <p:bldP spid="10" grpId="0"/>
+    </p:bldLst>
+  </p:timing>
+</p:sld>
+</file>
+
+<file path=ppt/slides/slide4.xml><?xml version="1.0" encoding="utf-8"?>
 <p:sld xmlns:a="http://schemas.openxmlformats.org/drawingml/2006/main" xmlns:r="http://schemas.openxmlformats.org/officeDocument/2006/relationships" xmlns:p="http://schemas.openxmlformats.org/presentationml/2006/main">
   <p:cSld>
     <p:bg>
@@ -23616,7 +24796,7 @@
     </p:spTree>
     <p:extLst>
       <p:ext uri="{BB962C8B-B14F-4D97-AF65-F5344CB8AC3E}">
-        <p14:creationId xmlns:p14="http://schemas.microsoft.com/office/powerpoint/2010/main" val="3452392272"/>
+        <p14:creationId xmlns:p14="http://schemas.microsoft.com/office/powerpoint/2010/main" val="1837659563"/>
       </p:ext>
     </p:extLst>
   </p:cSld>
@@ -23626,7 +24806,7 @@
 </p:sld>
 </file>
 
-<file path=ppt/slides/slide4.xml><?xml version="1.0" encoding="utf-8"?>
+<file path=ppt/slides/slide5.xml><?xml version="1.0" encoding="utf-8"?>
 <p:sld xmlns:a="http://schemas.openxmlformats.org/drawingml/2006/main" xmlns:r="http://schemas.openxmlformats.org/officeDocument/2006/relationships" xmlns:p="http://schemas.openxmlformats.org/presentationml/2006/main">
   <p:cSld>
     <p:bg>
@@ -23729,7 +24909,7 @@
 </p:sld>
 </file>
 
-<file path=ppt/slides/slide5.xml><?xml version="1.0" encoding="utf-8"?>
+<file path=ppt/slides/slide6.xml><?xml version="1.0" encoding="utf-8"?>
 <p:sld xmlns:a="http://schemas.openxmlformats.org/drawingml/2006/main" xmlns:r="http://schemas.openxmlformats.org/officeDocument/2006/relationships" xmlns:p="http://schemas.openxmlformats.org/presentationml/2006/main">
   <p:cSld>
     <p:bg>
@@ -23848,7 +25028,7 @@
           </a:prstGeom>
           <a:ln w="92075">
             <a:solidFill>
-              <a:schemeClr val="bg1"/>
+              <a:srgbClr val="9A8B67"/>
             </a:solidFill>
           </a:ln>
         </p:spPr>
@@ -23876,7 +25056,7 @@
           <a:noFill/>
           <a:ln w="50800">
             <a:solidFill>
-              <a:schemeClr val="bg1"/>
+              <a:srgbClr val="9A8B67"/>
             </a:solidFill>
           </a:ln>
         </p:spPr>
@@ -23930,7 +25110,7 @@
           </a:prstGeom>
           <a:ln w="57150">
             <a:solidFill>
-              <a:schemeClr val="bg1"/>
+              <a:srgbClr val="9A8B67"/>
             </a:solidFill>
           </a:ln>
         </p:spPr>
@@ -23973,7 +25153,7 @@
           </a:prstGeom>
           <a:ln w="57150">
             <a:solidFill>
-              <a:schemeClr val="bg1"/>
+              <a:srgbClr val="9A8B67"/>
             </a:solidFill>
           </a:ln>
         </p:spPr>
@@ -23996,6 +25176,80 @@
     <p:extLst>
       <p:ext uri="{BB962C8B-B14F-4D97-AF65-F5344CB8AC3E}">
         <p14:creationId xmlns:p14="http://schemas.microsoft.com/office/powerpoint/2010/main" val="381877740"/>
+      </p:ext>
+    </p:extLst>
+  </p:cSld>
+  <p:clrMapOvr>
+    <a:masterClrMapping/>
+  </p:clrMapOvr>
+</p:sld>
+</file>
+
+<file path=ppt/slides/slide7.xml><?xml version="1.0" encoding="utf-8"?>
+<p:sld xmlns:a="http://schemas.openxmlformats.org/drawingml/2006/main" xmlns:r="http://schemas.openxmlformats.org/officeDocument/2006/relationships" xmlns:p="http://schemas.openxmlformats.org/presentationml/2006/main">
+  <p:cSld>
+    <p:bg>
+      <p:bgPr>
+        <a:solidFill>
+          <a:schemeClr val="tx1"/>
+        </a:solidFill>
+        <a:effectLst/>
+      </p:bgPr>
+    </p:bg>
+    <p:spTree>
+      <p:nvGrpSpPr>
+        <p:cNvPr id="1" name=""/>
+        <p:cNvGrpSpPr/>
+        <p:nvPr/>
+      </p:nvGrpSpPr>
+      <p:grpSpPr>
+        <a:xfrm>
+          <a:off x="0" y="0"/>
+          <a:ext cx="0" cy="0"/>
+          <a:chOff x="0" y="0"/>
+          <a:chExt cx="0" cy="0"/>
+        </a:xfrm>
+      </p:grpSpPr>
+      <p:pic>
+        <p:nvPicPr>
+          <p:cNvPr id="3" name="Grafik 2">
+            <a:extLst>
+              <a:ext uri="{FF2B5EF4-FFF2-40B4-BE49-F238E27FC236}">
+                <a16:creationId xmlns:a16="http://schemas.microsoft.com/office/drawing/2014/main" id="{857BD046-B318-4F3A-8E20-2A6CF35674A5}"/>
+              </a:ext>
+            </a:extLst>
+          </p:cNvPr>
+          <p:cNvPicPr>
+            <a:picLocks noChangeAspect="1"/>
+          </p:cNvPicPr>
+          <p:nvPr/>
+        </p:nvPicPr>
+        <p:blipFill>
+          <a:blip r:embed="rId3">
+            <a:extLst>
+              <a:ext uri="{28A0092B-C50C-407E-A947-70E740481C1C}">
+                <a14:useLocalDpi xmlns:a14="http://schemas.microsoft.com/office/drawing/2010/main" val="0"/>
+              </a:ext>
+            </a:extLst>
+          </a:blip>
+          <a:stretch>
+            <a:fillRect/>
+          </a:stretch>
+        </p:blipFill>
+        <p:spPr>
+          <a:xfrm>
+            <a:off x="10103892" y="221582"/>
+            <a:ext cx="1840862" cy="433574"/>
+          </a:xfrm>
+          <a:prstGeom prst="rect">
+            <a:avLst/>
+          </a:prstGeom>
+        </p:spPr>
+      </p:pic>
+    </p:spTree>
+    <p:extLst>
+      <p:ext uri="{BB962C8B-B14F-4D97-AF65-F5344CB8AC3E}">
+        <p14:creationId xmlns:p14="http://schemas.microsoft.com/office/powerpoint/2010/main" val="2782041579"/>
       </p:ext>
     </p:extLst>
   </p:cSld>
